--- a/Source ppts/9 Diccionarios.pptx
+++ b/Source ppts/9 Diccionarios.pptx
@@ -5,7 +5,7 @@
     <p:sldMasterId id="2147483672" r:id="rId1"/>
   </p:sldMasterIdLst>
   <p:notesMasterIdLst>
-    <p:notesMasterId r:id="rId16"/>
+    <p:notesMasterId r:id="rId20"/>
   </p:notesMasterIdLst>
   <p:sldIdLst>
     <p:sldId id="296" r:id="rId2"/>
@@ -17,35 +17,44 @@
     <p:sldId id="321" r:id="rId8"/>
     <p:sldId id="322" r:id="rId9"/>
     <p:sldId id="310" r:id="rId10"/>
-    <p:sldId id="311" r:id="rId11"/>
-    <p:sldId id="323" r:id="rId12"/>
-    <p:sldId id="316" r:id="rId13"/>
-    <p:sldId id="314" r:id="rId14"/>
-    <p:sldId id="313" r:id="rId15"/>
+    <p:sldId id="324" r:id="rId11"/>
+    <p:sldId id="325" r:id="rId12"/>
+    <p:sldId id="326" r:id="rId13"/>
+    <p:sldId id="327" r:id="rId14"/>
+    <p:sldId id="311" r:id="rId15"/>
+    <p:sldId id="323" r:id="rId16"/>
+    <p:sldId id="316" r:id="rId17"/>
+    <p:sldId id="314" r:id="rId18"/>
+    <p:sldId id="313" r:id="rId19"/>
   </p:sldIdLst>
   <p:sldSz cx="9144000" cy="5143500" type="screen16x9"/>
   <p:notesSz cx="6858000" cy="9144000"/>
   <p:embeddedFontLst>
     <p:embeddedFont>
       <p:font typeface="Consolas" panose="020B0609020204030204" pitchFamily="49" charset="0"/>
-      <p:regular r:id="rId17"/>
-      <p:bold r:id="rId18"/>
-      <p:italic r:id="rId19"/>
-      <p:boldItalic r:id="rId20"/>
-    </p:embeddedFont>
-    <p:embeddedFont>
-      <p:font typeface="Quantico" panose="020B0604020202020204" charset="0"/>
       <p:regular r:id="rId21"/>
       <p:bold r:id="rId22"/>
       <p:italic r:id="rId23"/>
       <p:boldItalic r:id="rId24"/>
     </p:embeddedFont>
     <p:embeddedFont>
-      <p:font typeface="Source Code Pro" panose="020B0509030403020204" pitchFamily="49" charset="0"/>
+      <p:font typeface="Fira Sans Extra Condensed" panose="020B0503050000020004" pitchFamily="34" charset="0"/>
       <p:regular r:id="rId25"/>
       <p:bold r:id="rId26"/>
-      <p:italic r:id="rId27"/>
-      <p:boldItalic r:id="rId28"/>
+    </p:embeddedFont>
+    <p:embeddedFont>
+      <p:font typeface="Quantico" panose="020B0604020202020204" charset="0"/>
+      <p:regular r:id="rId27"/>
+      <p:bold r:id="rId28"/>
+      <p:italic r:id="rId29"/>
+      <p:boldItalic r:id="rId30"/>
+    </p:embeddedFont>
+    <p:embeddedFont>
+      <p:font typeface="Source Code Pro" panose="020B0509030403020204" pitchFamily="49" charset="0"/>
+      <p:regular r:id="rId31"/>
+      <p:bold r:id="rId32"/>
+      <p:italic r:id="rId33"/>
+      <p:boldItalic r:id="rId34"/>
     </p:embeddedFont>
   </p:embeddedFontLst>
   <p:defaultTextStyle>
@@ -288,9 +297,7 @@
 <file path=ppt/revisionInfo.xml><?xml version="1.0" encoding="utf-8"?>
 <p1510:revInfo xmlns:a="http://schemas.openxmlformats.org/drawingml/2006/main" xmlns:r="http://schemas.openxmlformats.org/officeDocument/2006/relationships" xmlns:p1510="http://schemas.microsoft.com/office/powerpoint/2015/10/main">
   <p1510:revLst>
-    <p1510:client id="{48094A1A-1C98-BD2F-AFDE-7E89D47FED78}" v="539" dt="2023-10-17T16:20:11.351"/>
-    <p1510:client id="{CF59C108-4A39-F1E4-495B-CDE943CD7097}" v="2" dt="2023-10-17T16:24:44.758"/>
-    <p1510:client id="{FCA4740B-0098-4442-61A9-3F6C704437EF}" v="409" dt="2023-10-17T18:12:18.591"/>
+    <p1510:client id="{39017BB1-7A83-47E9-8223-A93931C16304}" v="9" dt="2024-10-23T18:51:17.524"/>
   </p1510:revLst>
 </p1510:revInfo>
 </file>
@@ -1469,6 +1476,238 @@
       </pc:sldChg>
     </pc:docChg>
   </pc:docChgLst>
+  <pc:docChgLst>
+    <pc:chgData name="Rolando Rojas Sanfuentes (Alumno)" userId="2c56a9b6-e5a8-48f6-bb7c-ce0866612bbb" providerId="ADAL" clId="{39017BB1-7A83-47E9-8223-A93931C16304}"/>
+    <pc:docChg chg="undo custSel addSld delSld modSld sldOrd">
+      <pc:chgData name="Rolando Rojas Sanfuentes (Alumno)" userId="2c56a9b6-e5a8-48f6-bb7c-ce0866612bbb" providerId="ADAL" clId="{39017BB1-7A83-47E9-8223-A93931C16304}" dt="2024-10-23T18:51:44.399" v="101" actId="1076"/>
+      <pc:docMkLst>
+        <pc:docMk/>
+      </pc:docMkLst>
+      <pc:sldChg chg="new del">
+        <pc:chgData name="Rolando Rojas Sanfuentes (Alumno)" userId="2c56a9b6-e5a8-48f6-bb7c-ce0866612bbb" providerId="ADAL" clId="{39017BB1-7A83-47E9-8223-A93931C16304}" dt="2024-10-23T18:36:28.283" v="1" actId="47"/>
+        <pc:sldMkLst>
+          <pc:docMk/>
+          <pc:sldMk cId="1189994817" sldId="324"/>
+        </pc:sldMkLst>
+      </pc:sldChg>
+      <pc:sldChg chg="addSp modSp add mod">
+        <pc:chgData name="Rolando Rojas Sanfuentes (Alumno)" userId="2c56a9b6-e5a8-48f6-bb7c-ce0866612bbb" providerId="ADAL" clId="{39017BB1-7A83-47E9-8223-A93931C16304}" dt="2024-10-23T18:39:21.636" v="50" actId="14100"/>
+        <pc:sldMkLst>
+          <pc:docMk/>
+          <pc:sldMk cId="1232336960" sldId="324"/>
+        </pc:sldMkLst>
+        <pc:spChg chg="add">
+          <ac:chgData name="Rolando Rojas Sanfuentes (Alumno)" userId="2c56a9b6-e5a8-48f6-bb7c-ce0866612bbb" providerId="ADAL" clId="{39017BB1-7A83-47E9-8223-A93931C16304}" dt="2024-10-23T18:37:21.804" v="6"/>
+          <ac:spMkLst>
+            <pc:docMk/>
+            <pc:sldMk cId="1232336960" sldId="324"/>
+            <ac:spMk id="2" creationId="{18844CAD-3E23-2CD7-0365-E948F6BDBE83}"/>
+          </ac:spMkLst>
+        </pc:spChg>
+        <pc:spChg chg="mod">
+          <ac:chgData name="Rolando Rojas Sanfuentes (Alumno)" userId="2c56a9b6-e5a8-48f6-bb7c-ce0866612bbb" providerId="ADAL" clId="{39017BB1-7A83-47E9-8223-A93931C16304}" dt="2024-10-23T18:39:21.636" v="50" actId="14100"/>
+          <ac:spMkLst>
+            <pc:docMk/>
+            <pc:sldMk cId="1232336960" sldId="324"/>
+            <ac:spMk id="295" creationId="{00000000-0000-0000-0000-000000000000}"/>
+          </ac:spMkLst>
+        </pc:spChg>
+        <pc:spChg chg="mod">
+          <ac:chgData name="Rolando Rojas Sanfuentes (Alumno)" userId="2c56a9b6-e5a8-48f6-bb7c-ce0866612bbb" providerId="ADAL" clId="{39017BB1-7A83-47E9-8223-A93931C16304}" dt="2024-10-23T18:38:49.943" v="43" actId="403"/>
+          <ac:spMkLst>
+            <pc:docMk/>
+            <pc:sldMk cId="1232336960" sldId="324"/>
+            <ac:spMk id="297" creationId="{00000000-0000-0000-0000-000000000000}"/>
+          </ac:spMkLst>
+        </pc:spChg>
+        <pc:picChg chg="add mod">
+          <ac:chgData name="Rolando Rojas Sanfuentes (Alumno)" userId="2c56a9b6-e5a8-48f6-bb7c-ce0866612bbb" providerId="ADAL" clId="{39017BB1-7A83-47E9-8223-A93931C16304}" dt="2024-10-23T18:38:54.359" v="44" actId="1076"/>
+          <ac:picMkLst>
+            <pc:docMk/>
+            <pc:sldMk cId="1232336960" sldId="324"/>
+            <ac:picMk id="4" creationId="{8E5FFE83-929C-152C-DA01-3ED28D16A15E}"/>
+          </ac:picMkLst>
+        </pc:picChg>
+      </pc:sldChg>
+      <pc:sldChg chg="addSp delSp modSp add mod">
+        <pc:chgData name="Rolando Rojas Sanfuentes (Alumno)" userId="2c56a9b6-e5a8-48f6-bb7c-ce0866612bbb" providerId="ADAL" clId="{39017BB1-7A83-47E9-8223-A93931C16304}" dt="2024-10-23T18:41:47.622" v="65" actId="14100"/>
+        <pc:sldMkLst>
+          <pc:docMk/>
+          <pc:sldMk cId="1927627885" sldId="325"/>
+        </pc:sldMkLst>
+        <pc:spChg chg="mod">
+          <ac:chgData name="Rolando Rojas Sanfuentes (Alumno)" userId="2c56a9b6-e5a8-48f6-bb7c-ce0866612bbb" providerId="ADAL" clId="{39017BB1-7A83-47E9-8223-A93931C16304}" dt="2024-10-23T18:41:43.795" v="64" actId="1076"/>
+          <ac:spMkLst>
+            <pc:docMk/>
+            <pc:sldMk cId="1927627885" sldId="325"/>
+            <ac:spMk id="295" creationId="{00000000-0000-0000-0000-000000000000}"/>
+          </ac:spMkLst>
+        </pc:spChg>
+        <pc:picChg chg="del">
+          <ac:chgData name="Rolando Rojas Sanfuentes (Alumno)" userId="2c56a9b6-e5a8-48f6-bb7c-ce0866612bbb" providerId="ADAL" clId="{39017BB1-7A83-47E9-8223-A93931C16304}" dt="2024-10-23T18:41:08.007" v="52" actId="478"/>
+          <ac:picMkLst>
+            <pc:docMk/>
+            <pc:sldMk cId="1927627885" sldId="325"/>
+            <ac:picMk id="2" creationId="{2A8E0411-EF38-B229-AAE0-1F4AC9CAB3AB}"/>
+          </ac:picMkLst>
+        </pc:picChg>
+        <pc:picChg chg="add mod">
+          <ac:chgData name="Rolando Rojas Sanfuentes (Alumno)" userId="2c56a9b6-e5a8-48f6-bb7c-ce0866612bbb" providerId="ADAL" clId="{39017BB1-7A83-47E9-8223-A93931C16304}" dt="2024-10-23T18:41:47.622" v="65" actId="14100"/>
+          <ac:picMkLst>
+            <pc:docMk/>
+            <pc:sldMk cId="1927627885" sldId="325"/>
+            <ac:picMk id="4" creationId="{8B68BFC5-CCBB-2962-14FA-762B4BC14E26}"/>
+          </ac:picMkLst>
+        </pc:picChg>
+      </pc:sldChg>
+      <pc:sldChg chg="addSp delSp modSp add mod ord">
+        <pc:chgData name="Rolando Rojas Sanfuentes (Alumno)" userId="2c56a9b6-e5a8-48f6-bb7c-ce0866612bbb" providerId="ADAL" clId="{39017BB1-7A83-47E9-8223-A93931C16304}" dt="2024-10-23T18:49:12.605" v="89" actId="14100"/>
+        <pc:sldMkLst>
+          <pc:docMk/>
+          <pc:sldMk cId="2555626135" sldId="326"/>
+        </pc:sldMkLst>
+        <pc:spChg chg="mod">
+          <ac:chgData name="Rolando Rojas Sanfuentes (Alumno)" userId="2c56a9b6-e5a8-48f6-bb7c-ce0866612bbb" providerId="ADAL" clId="{39017BB1-7A83-47E9-8223-A93931C16304}" dt="2024-10-23T18:43:12.718" v="76" actId="14100"/>
+          <ac:spMkLst>
+            <pc:docMk/>
+            <pc:sldMk cId="2555626135" sldId="326"/>
+            <ac:spMk id="295" creationId="{00000000-0000-0000-0000-000000000000}"/>
+          </ac:spMkLst>
+        </pc:spChg>
+        <pc:spChg chg="mod">
+          <ac:chgData name="Rolando Rojas Sanfuentes (Alumno)" userId="2c56a9b6-e5a8-48f6-bb7c-ce0866612bbb" providerId="ADAL" clId="{39017BB1-7A83-47E9-8223-A93931C16304}" dt="2024-10-23T18:44:48.530" v="82" actId="1076"/>
+          <ac:spMkLst>
+            <pc:docMk/>
+            <pc:sldMk cId="2555626135" sldId="326"/>
+            <ac:spMk id="297" creationId="{00000000-0000-0000-0000-000000000000}"/>
+          </ac:spMkLst>
+        </pc:spChg>
+        <pc:picChg chg="add del mod">
+          <ac:chgData name="Rolando Rojas Sanfuentes (Alumno)" userId="2c56a9b6-e5a8-48f6-bb7c-ce0866612bbb" providerId="ADAL" clId="{39017BB1-7A83-47E9-8223-A93931C16304}" dt="2024-10-23T18:49:07.421" v="86" actId="478"/>
+          <ac:picMkLst>
+            <pc:docMk/>
+            <pc:sldMk cId="2555626135" sldId="326"/>
+            <ac:picMk id="3" creationId="{F320F3C2-5098-5E6D-4E52-B5FCD61400F8}"/>
+          </ac:picMkLst>
+        </pc:picChg>
+        <pc:picChg chg="del">
+          <ac:chgData name="Rolando Rojas Sanfuentes (Alumno)" userId="2c56a9b6-e5a8-48f6-bb7c-ce0866612bbb" providerId="ADAL" clId="{39017BB1-7A83-47E9-8223-A93931C16304}" dt="2024-10-23T18:44:37.733" v="79" actId="478"/>
+          <ac:picMkLst>
+            <pc:docMk/>
+            <pc:sldMk cId="2555626135" sldId="326"/>
+            <ac:picMk id="4" creationId="{8E5FFE83-929C-152C-DA01-3ED28D16A15E}"/>
+          </ac:picMkLst>
+        </pc:picChg>
+        <pc:picChg chg="add mod">
+          <ac:chgData name="Rolando Rojas Sanfuentes (Alumno)" userId="2c56a9b6-e5a8-48f6-bb7c-ce0866612bbb" providerId="ADAL" clId="{39017BB1-7A83-47E9-8223-A93931C16304}" dt="2024-10-23T18:49:12.605" v="89" actId="14100"/>
+          <ac:picMkLst>
+            <pc:docMk/>
+            <pc:sldMk cId="2555626135" sldId="326"/>
+            <ac:picMk id="6" creationId="{CB666DCD-7EC1-1A36-1FD4-BC7D3568905B}"/>
+          </ac:picMkLst>
+        </pc:picChg>
+      </pc:sldChg>
+      <pc:sldChg chg="new del">
+        <pc:chgData name="Rolando Rojas Sanfuentes (Alumno)" userId="2c56a9b6-e5a8-48f6-bb7c-ce0866612bbb" providerId="ADAL" clId="{39017BB1-7A83-47E9-8223-A93931C16304}" dt="2024-10-23T18:42:38.819" v="67" actId="47"/>
+        <pc:sldMkLst>
+          <pc:docMk/>
+          <pc:sldMk cId="2658430150" sldId="326"/>
+        </pc:sldMkLst>
+      </pc:sldChg>
+      <pc:sldChg chg="add del">
+        <pc:chgData name="Rolando Rojas Sanfuentes (Alumno)" userId="2c56a9b6-e5a8-48f6-bb7c-ce0866612bbb" providerId="ADAL" clId="{39017BB1-7A83-47E9-8223-A93931C16304}" dt="2024-10-23T18:41:16.133" v="57"/>
+        <pc:sldMkLst>
+          <pc:docMk/>
+          <pc:sldMk cId="3209498281" sldId="326"/>
+        </pc:sldMkLst>
+      </pc:sldChg>
+      <pc:sldChg chg="addSp delSp modSp add mod">
+        <pc:chgData name="Rolando Rojas Sanfuentes (Alumno)" userId="2c56a9b6-e5a8-48f6-bb7c-ce0866612bbb" providerId="ADAL" clId="{39017BB1-7A83-47E9-8223-A93931C16304}" dt="2024-10-23T18:51:44.399" v="101" actId="1076"/>
+        <pc:sldMkLst>
+          <pc:docMk/>
+          <pc:sldMk cId="232787263" sldId="327"/>
+        </pc:sldMkLst>
+        <pc:spChg chg="mod">
+          <ac:chgData name="Rolando Rojas Sanfuentes (Alumno)" userId="2c56a9b6-e5a8-48f6-bb7c-ce0866612bbb" providerId="ADAL" clId="{39017BB1-7A83-47E9-8223-A93931C16304}" dt="2024-10-23T18:51:39.182" v="99" actId="1076"/>
+          <ac:spMkLst>
+            <pc:docMk/>
+            <pc:sldMk cId="232787263" sldId="327"/>
+            <ac:spMk id="295" creationId="{00000000-0000-0000-0000-000000000000}"/>
+          </ac:spMkLst>
+        </pc:spChg>
+        <pc:picChg chg="add mod">
+          <ac:chgData name="Rolando Rojas Sanfuentes (Alumno)" userId="2c56a9b6-e5a8-48f6-bb7c-ce0866612bbb" providerId="ADAL" clId="{39017BB1-7A83-47E9-8223-A93931C16304}" dt="2024-10-23T18:51:44.399" v="101" actId="1076"/>
+          <ac:picMkLst>
+            <pc:docMk/>
+            <pc:sldMk cId="232787263" sldId="327"/>
+            <ac:picMk id="3" creationId="{A9DD5F7F-E3B5-2751-3A7A-6721C13DE1FC}"/>
+          </ac:picMkLst>
+        </pc:picChg>
+        <pc:picChg chg="del">
+          <ac:chgData name="Rolando Rojas Sanfuentes (Alumno)" userId="2c56a9b6-e5a8-48f6-bb7c-ce0866612bbb" providerId="ADAL" clId="{39017BB1-7A83-47E9-8223-A93931C16304}" dt="2024-10-23T18:51:22.625" v="95" actId="478"/>
+          <ac:picMkLst>
+            <pc:docMk/>
+            <pc:sldMk cId="232787263" sldId="327"/>
+            <ac:picMk id="4" creationId="{8B68BFC5-CCBB-2962-14FA-762B4BC14E26}"/>
+          </ac:picMkLst>
+        </pc:picChg>
+      </pc:sldChg>
+      <pc:sldChg chg="new del">
+        <pc:chgData name="Rolando Rojas Sanfuentes (Alumno)" userId="2c56a9b6-e5a8-48f6-bb7c-ce0866612bbb" providerId="ADAL" clId="{39017BB1-7A83-47E9-8223-A93931C16304}" dt="2024-10-23T18:51:13.844" v="91" actId="47"/>
+        <pc:sldMkLst>
+          <pc:docMk/>
+          <pc:sldMk cId="2437120420" sldId="327"/>
+        </pc:sldMkLst>
+      </pc:sldChg>
+    </pc:docChg>
+  </pc:docChgLst>
+  <pc:docChgLst>
+    <pc:chgData name="Rolando Rojas Sanfuentes (Alumno)" userId="2c56a9b6-e5a8-48f6-bb7c-ce0866612bbb" providerId="ADAL" clId="{C66FC837-3CEB-4AC9-8E9C-A376060059D2}"/>
+    <pc:docChg chg="modSld">
+      <pc:chgData name="Rolando Rojas Sanfuentes (Alumno)" userId="2c56a9b6-e5a8-48f6-bb7c-ce0866612bbb" providerId="ADAL" clId="{C66FC837-3CEB-4AC9-8E9C-A376060059D2}" dt="2024-06-06T19:54:08.158" v="27" actId="1076"/>
+      <pc:docMkLst>
+        <pc:docMk/>
+      </pc:docMkLst>
+      <pc:sldChg chg="modSp mod">
+        <pc:chgData name="Rolando Rojas Sanfuentes (Alumno)" userId="2c56a9b6-e5a8-48f6-bb7c-ce0866612bbb" providerId="ADAL" clId="{C66FC837-3CEB-4AC9-8E9C-A376060059D2}" dt="2024-06-06T19:54:08.158" v="27" actId="1076"/>
+        <pc:sldMkLst>
+          <pc:docMk/>
+          <pc:sldMk cId="3284822836" sldId="311"/>
+        </pc:sldMkLst>
+        <pc:spChg chg="mod">
+          <ac:chgData name="Rolando Rojas Sanfuentes (Alumno)" userId="2c56a9b6-e5a8-48f6-bb7c-ce0866612bbb" providerId="ADAL" clId="{C66FC837-3CEB-4AC9-8E9C-A376060059D2}" dt="2024-06-06T19:54:08.158" v="27" actId="1076"/>
+          <ac:spMkLst>
+            <pc:docMk/>
+            <pc:sldMk cId="3284822836" sldId="311"/>
+            <ac:spMk id="295" creationId="{00000000-0000-0000-0000-000000000000}"/>
+          </ac:spMkLst>
+        </pc:spChg>
+        <pc:spChg chg="mod">
+          <ac:chgData name="Rolando Rojas Sanfuentes (Alumno)" userId="2c56a9b6-e5a8-48f6-bb7c-ce0866612bbb" providerId="ADAL" clId="{C66FC837-3CEB-4AC9-8E9C-A376060059D2}" dt="2024-06-06T19:54:01.783" v="26" actId="1076"/>
+          <ac:spMkLst>
+            <pc:docMk/>
+            <pc:sldMk cId="3284822836" sldId="311"/>
+            <ac:spMk id="297" creationId="{00000000-0000-0000-0000-000000000000}"/>
+          </ac:spMkLst>
+        </pc:spChg>
+      </pc:sldChg>
+      <pc:sldChg chg="modSp mod">
+        <pc:chgData name="Rolando Rojas Sanfuentes (Alumno)" userId="2c56a9b6-e5a8-48f6-bb7c-ce0866612bbb" providerId="ADAL" clId="{C66FC837-3CEB-4AC9-8E9C-A376060059D2}" dt="2024-06-06T19:53:07.233" v="13" actId="20577"/>
+        <pc:sldMkLst>
+          <pc:docMk/>
+          <pc:sldMk cId="1543025398" sldId="323"/>
+        </pc:sldMkLst>
+        <pc:spChg chg="mod">
+          <ac:chgData name="Rolando Rojas Sanfuentes (Alumno)" userId="2c56a9b6-e5a8-48f6-bb7c-ce0866612bbb" providerId="ADAL" clId="{C66FC837-3CEB-4AC9-8E9C-A376060059D2}" dt="2024-06-06T19:53:07.233" v="13" actId="20577"/>
+          <ac:spMkLst>
+            <pc:docMk/>
+            <pc:sldMk cId="1543025398" sldId="323"/>
+            <ac:spMk id="297" creationId="{00000000-0000-0000-0000-000000000000}"/>
+          </ac:spMkLst>
+        </pc:spChg>
+      </pc:sldChg>
+    </pc:docChg>
+  </pc:docChgLst>
 </pc:chgInfo>
 </file>
 
@@ -2116,7 +2355,7 @@
     </p:spTree>
     <p:extLst>
       <p:ext uri="{BB962C8B-B14F-4D97-AF65-F5344CB8AC3E}">
-        <p14:creationId xmlns:p14="http://schemas.microsoft.com/office/powerpoint/2010/main" val="282572376"/>
+        <p14:creationId xmlns:p14="http://schemas.microsoft.com/office/powerpoint/2010/main" val="2435818491"/>
       </p:ext>
     </p:extLst>
   </p:cSld>
@@ -2225,7 +2464,7 @@
     </p:spTree>
     <p:extLst>
       <p:ext uri="{BB962C8B-B14F-4D97-AF65-F5344CB8AC3E}">
-        <p14:creationId xmlns:p14="http://schemas.microsoft.com/office/powerpoint/2010/main" val="764690086"/>
+        <p14:creationId xmlns:p14="http://schemas.microsoft.com/office/powerpoint/2010/main" val="1995865377"/>
       </p:ext>
     </p:extLst>
   </p:cSld>
@@ -2334,7 +2573,7 @@
     </p:spTree>
     <p:extLst>
       <p:ext uri="{BB962C8B-B14F-4D97-AF65-F5344CB8AC3E}">
-        <p14:creationId xmlns:p14="http://schemas.microsoft.com/office/powerpoint/2010/main" val="2878139313"/>
+        <p14:creationId xmlns:p14="http://schemas.microsoft.com/office/powerpoint/2010/main" val="3112896841"/>
       </p:ext>
     </p:extLst>
   </p:cSld>
@@ -2443,6 +2682,442 @@
     </p:spTree>
     <p:extLst>
       <p:ext uri="{BB962C8B-B14F-4D97-AF65-F5344CB8AC3E}">
+        <p14:creationId xmlns:p14="http://schemas.microsoft.com/office/powerpoint/2010/main" val="479293562"/>
+      </p:ext>
+    </p:extLst>
+  </p:cSld>
+  <p:clrMapOvr>
+    <a:masterClrMapping/>
+  </p:clrMapOvr>
+</p:notes>
+</file>
+
+<file path=ppt/notesSlides/notesSlide14.xml><?xml version="1.0" encoding="utf-8"?>
+<p:notes xmlns:a="http://schemas.openxmlformats.org/drawingml/2006/main" xmlns:r="http://schemas.openxmlformats.org/officeDocument/2006/relationships" xmlns:p="http://schemas.openxmlformats.org/presentationml/2006/main" showMasterSp="0" showMasterPhAnim="0">
+  <p:cSld>
+    <p:spTree>
+      <p:nvGrpSpPr>
+        <p:cNvPr id="1" name="Shape 291"/>
+        <p:cNvGrpSpPr/>
+        <p:nvPr/>
+      </p:nvGrpSpPr>
+      <p:grpSpPr>
+        <a:xfrm>
+          <a:off x="0" y="0"/>
+          <a:ext cx="0" cy="0"/>
+          <a:chOff x="0" y="0"/>
+          <a:chExt cx="0" cy="0"/>
+        </a:xfrm>
+      </p:grpSpPr>
+      <p:sp>
+        <p:nvSpPr>
+          <p:cNvPr id="292" name="Google Shape;292;gcc9050bdf8_0_273:notes"/>
+          <p:cNvSpPr>
+            <a:spLocks noGrp="1" noRot="1" noChangeAspect="1"/>
+          </p:cNvSpPr>
+          <p:nvPr>
+            <p:ph type="sldImg" idx="2"/>
+          </p:nvPr>
+        </p:nvSpPr>
+        <p:spPr>
+          <a:xfrm>
+            <a:off x="381000" y="685800"/>
+            <a:ext cx="6096000" cy="3429000"/>
+          </a:xfrm>
+          <a:custGeom>
+            <a:avLst/>
+            <a:gdLst/>
+            <a:ahLst/>
+            <a:cxnLst/>
+            <a:rect l="l" t="t" r="r" b="b"/>
+            <a:pathLst>
+              <a:path w="120000" h="120000" extrusionOk="0">
+                <a:moveTo>
+                  <a:pt x="0" y="0"/>
+                </a:moveTo>
+                <a:lnTo>
+                  <a:pt x="120000" y="0"/>
+                </a:lnTo>
+                <a:lnTo>
+                  <a:pt x="120000" y="120000"/>
+                </a:lnTo>
+                <a:lnTo>
+                  <a:pt x="0" y="120000"/>
+                </a:lnTo>
+                <a:close/>
+              </a:path>
+            </a:pathLst>
+          </a:custGeom>
+        </p:spPr>
+      </p:sp>
+      <p:sp>
+        <p:nvSpPr>
+          <p:cNvPr id="293" name="Google Shape;293;gcc9050bdf8_0_273:notes"/>
+          <p:cNvSpPr txBox="1">
+            <a:spLocks noGrp="1"/>
+          </p:cNvSpPr>
+          <p:nvPr>
+            <p:ph type="body" idx="1"/>
+          </p:nvPr>
+        </p:nvSpPr>
+        <p:spPr>
+          <a:xfrm>
+            <a:off x="685800" y="4343400"/>
+            <a:ext cx="5486400" cy="4114800"/>
+          </a:xfrm>
+          <a:prstGeom prst="rect">
+            <a:avLst/>
+          </a:prstGeom>
+        </p:spPr>
+        <p:txBody>
+          <a:bodyPr spcFirstLastPara="1" wrap="square" lIns="91425" tIns="91425" rIns="91425" bIns="91425" anchor="t" anchorCtr="0">
+            <a:noAutofit/>
+          </a:bodyPr>
+          <a:lstStyle/>
+          <a:p>
+            <a:pPr marL="0" lvl="0" indent="0" algn="l" rtl="0">
+              <a:spcBef>
+                <a:spcPts val="0"/>
+              </a:spcBef>
+              <a:spcAft>
+                <a:spcPts val="0"/>
+              </a:spcAft>
+              <a:buNone/>
+            </a:pPr>
+            <a:endParaRPr/>
+          </a:p>
+        </p:txBody>
+      </p:sp>
+    </p:spTree>
+    <p:extLst>
+      <p:ext uri="{BB962C8B-B14F-4D97-AF65-F5344CB8AC3E}">
+        <p14:creationId xmlns:p14="http://schemas.microsoft.com/office/powerpoint/2010/main" val="282572376"/>
+      </p:ext>
+    </p:extLst>
+  </p:cSld>
+  <p:clrMapOvr>
+    <a:masterClrMapping/>
+  </p:clrMapOvr>
+</p:notes>
+</file>
+
+<file path=ppt/notesSlides/notesSlide15.xml><?xml version="1.0" encoding="utf-8"?>
+<p:notes xmlns:a="http://schemas.openxmlformats.org/drawingml/2006/main" xmlns:r="http://schemas.openxmlformats.org/officeDocument/2006/relationships" xmlns:p="http://schemas.openxmlformats.org/presentationml/2006/main" showMasterSp="0" showMasterPhAnim="0">
+  <p:cSld>
+    <p:spTree>
+      <p:nvGrpSpPr>
+        <p:cNvPr id="1" name="Shape 291"/>
+        <p:cNvGrpSpPr/>
+        <p:nvPr/>
+      </p:nvGrpSpPr>
+      <p:grpSpPr>
+        <a:xfrm>
+          <a:off x="0" y="0"/>
+          <a:ext cx="0" cy="0"/>
+          <a:chOff x="0" y="0"/>
+          <a:chExt cx="0" cy="0"/>
+        </a:xfrm>
+      </p:grpSpPr>
+      <p:sp>
+        <p:nvSpPr>
+          <p:cNvPr id="292" name="Google Shape;292;gcc9050bdf8_0_273:notes"/>
+          <p:cNvSpPr>
+            <a:spLocks noGrp="1" noRot="1" noChangeAspect="1"/>
+          </p:cNvSpPr>
+          <p:nvPr>
+            <p:ph type="sldImg" idx="2"/>
+          </p:nvPr>
+        </p:nvSpPr>
+        <p:spPr>
+          <a:xfrm>
+            <a:off x="381000" y="685800"/>
+            <a:ext cx="6096000" cy="3429000"/>
+          </a:xfrm>
+          <a:custGeom>
+            <a:avLst/>
+            <a:gdLst/>
+            <a:ahLst/>
+            <a:cxnLst/>
+            <a:rect l="l" t="t" r="r" b="b"/>
+            <a:pathLst>
+              <a:path w="120000" h="120000" extrusionOk="0">
+                <a:moveTo>
+                  <a:pt x="0" y="0"/>
+                </a:moveTo>
+                <a:lnTo>
+                  <a:pt x="120000" y="0"/>
+                </a:lnTo>
+                <a:lnTo>
+                  <a:pt x="120000" y="120000"/>
+                </a:lnTo>
+                <a:lnTo>
+                  <a:pt x="0" y="120000"/>
+                </a:lnTo>
+                <a:close/>
+              </a:path>
+            </a:pathLst>
+          </a:custGeom>
+        </p:spPr>
+      </p:sp>
+      <p:sp>
+        <p:nvSpPr>
+          <p:cNvPr id="293" name="Google Shape;293;gcc9050bdf8_0_273:notes"/>
+          <p:cNvSpPr txBox="1">
+            <a:spLocks noGrp="1"/>
+          </p:cNvSpPr>
+          <p:nvPr>
+            <p:ph type="body" idx="1"/>
+          </p:nvPr>
+        </p:nvSpPr>
+        <p:spPr>
+          <a:xfrm>
+            <a:off x="685800" y="4343400"/>
+            <a:ext cx="5486400" cy="4114800"/>
+          </a:xfrm>
+          <a:prstGeom prst="rect">
+            <a:avLst/>
+          </a:prstGeom>
+        </p:spPr>
+        <p:txBody>
+          <a:bodyPr spcFirstLastPara="1" wrap="square" lIns="91425" tIns="91425" rIns="91425" bIns="91425" anchor="t" anchorCtr="0">
+            <a:noAutofit/>
+          </a:bodyPr>
+          <a:lstStyle/>
+          <a:p>
+            <a:pPr marL="0" lvl="0" indent="0" algn="l" rtl="0">
+              <a:spcBef>
+                <a:spcPts val="0"/>
+              </a:spcBef>
+              <a:spcAft>
+                <a:spcPts val="0"/>
+              </a:spcAft>
+              <a:buNone/>
+            </a:pPr>
+            <a:endParaRPr/>
+          </a:p>
+        </p:txBody>
+      </p:sp>
+    </p:spTree>
+    <p:extLst>
+      <p:ext uri="{BB962C8B-B14F-4D97-AF65-F5344CB8AC3E}">
+        <p14:creationId xmlns:p14="http://schemas.microsoft.com/office/powerpoint/2010/main" val="764690086"/>
+      </p:ext>
+    </p:extLst>
+  </p:cSld>
+  <p:clrMapOvr>
+    <a:masterClrMapping/>
+  </p:clrMapOvr>
+</p:notes>
+</file>
+
+<file path=ppt/notesSlides/notesSlide16.xml><?xml version="1.0" encoding="utf-8"?>
+<p:notes xmlns:a="http://schemas.openxmlformats.org/drawingml/2006/main" xmlns:r="http://schemas.openxmlformats.org/officeDocument/2006/relationships" xmlns:p="http://schemas.openxmlformats.org/presentationml/2006/main" showMasterSp="0" showMasterPhAnim="0">
+  <p:cSld>
+    <p:spTree>
+      <p:nvGrpSpPr>
+        <p:cNvPr id="1" name="Shape 291"/>
+        <p:cNvGrpSpPr/>
+        <p:nvPr/>
+      </p:nvGrpSpPr>
+      <p:grpSpPr>
+        <a:xfrm>
+          <a:off x="0" y="0"/>
+          <a:ext cx="0" cy="0"/>
+          <a:chOff x="0" y="0"/>
+          <a:chExt cx="0" cy="0"/>
+        </a:xfrm>
+      </p:grpSpPr>
+      <p:sp>
+        <p:nvSpPr>
+          <p:cNvPr id="292" name="Google Shape;292;gcc9050bdf8_0_273:notes"/>
+          <p:cNvSpPr>
+            <a:spLocks noGrp="1" noRot="1" noChangeAspect="1"/>
+          </p:cNvSpPr>
+          <p:nvPr>
+            <p:ph type="sldImg" idx="2"/>
+          </p:nvPr>
+        </p:nvSpPr>
+        <p:spPr>
+          <a:xfrm>
+            <a:off x="381000" y="685800"/>
+            <a:ext cx="6096000" cy="3429000"/>
+          </a:xfrm>
+          <a:custGeom>
+            <a:avLst/>
+            <a:gdLst/>
+            <a:ahLst/>
+            <a:cxnLst/>
+            <a:rect l="l" t="t" r="r" b="b"/>
+            <a:pathLst>
+              <a:path w="120000" h="120000" extrusionOk="0">
+                <a:moveTo>
+                  <a:pt x="0" y="0"/>
+                </a:moveTo>
+                <a:lnTo>
+                  <a:pt x="120000" y="0"/>
+                </a:lnTo>
+                <a:lnTo>
+                  <a:pt x="120000" y="120000"/>
+                </a:lnTo>
+                <a:lnTo>
+                  <a:pt x="0" y="120000"/>
+                </a:lnTo>
+                <a:close/>
+              </a:path>
+            </a:pathLst>
+          </a:custGeom>
+        </p:spPr>
+      </p:sp>
+      <p:sp>
+        <p:nvSpPr>
+          <p:cNvPr id="293" name="Google Shape;293;gcc9050bdf8_0_273:notes"/>
+          <p:cNvSpPr txBox="1">
+            <a:spLocks noGrp="1"/>
+          </p:cNvSpPr>
+          <p:nvPr>
+            <p:ph type="body" idx="1"/>
+          </p:nvPr>
+        </p:nvSpPr>
+        <p:spPr>
+          <a:xfrm>
+            <a:off x="685800" y="4343400"/>
+            <a:ext cx="5486400" cy="4114800"/>
+          </a:xfrm>
+          <a:prstGeom prst="rect">
+            <a:avLst/>
+          </a:prstGeom>
+        </p:spPr>
+        <p:txBody>
+          <a:bodyPr spcFirstLastPara="1" wrap="square" lIns="91425" tIns="91425" rIns="91425" bIns="91425" anchor="t" anchorCtr="0">
+            <a:noAutofit/>
+          </a:bodyPr>
+          <a:lstStyle/>
+          <a:p>
+            <a:pPr marL="0" lvl="0" indent="0" algn="l" rtl="0">
+              <a:spcBef>
+                <a:spcPts val="0"/>
+              </a:spcBef>
+              <a:spcAft>
+                <a:spcPts val="0"/>
+              </a:spcAft>
+              <a:buNone/>
+            </a:pPr>
+            <a:endParaRPr/>
+          </a:p>
+        </p:txBody>
+      </p:sp>
+    </p:spTree>
+    <p:extLst>
+      <p:ext uri="{BB962C8B-B14F-4D97-AF65-F5344CB8AC3E}">
+        <p14:creationId xmlns:p14="http://schemas.microsoft.com/office/powerpoint/2010/main" val="2878139313"/>
+      </p:ext>
+    </p:extLst>
+  </p:cSld>
+  <p:clrMapOvr>
+    <a:masterClrMapping/>
+  </p:clrMapOvr>
+</p:notes>
+</file>
+
+<file path=ppt/notesSlides/notesSlide17.xml><?xml version="1.0" encoding="utf-8"?>
+<p:notes xmlns:a="http://schemas.openxmlformats.org/drawingml/2006/main" xmlns:r="http://schemas.openxmlformats.org/officeDocument/2006/relationships" xmlns:p="http://schemas.openxmlformats.org/presentationml/2006/main" showMasterSp="0" showMasterPhAnim="0">
+  <p:cSld>
+    <p:spTree>
+      <p:nvGrpSpPr>
+        <p:cNvPr id="1" name="Shape 291"/>
+        <p:cNvGrpSpPr/>
+        <p:nvPr/>
+      </p:nvGrpSpPr>
+      <p:grpSpPr>
+        <a:xfrm>
+          <a:off x="0" y="0"/>
+          <a:ext cx="0" cy="0"/>
+          <a:chOff x="0" y="0"/>
+          <a:chExt cx="0" cy="0"/>
+        </a:xfrm>
+      </p:grpSpPr>
+      <p:sp>
+        <p:nvSpPr>
+          <p:cNvPr id="292" name="Google Shape;292;gcc9050bdf8_0_273:notes"/>
+          <p:cNvSpPr>
+            <a:spLocks noGrp="1" noRot="1" noChangeAspect="1"/>
+          </p:cNvSpPr>
+          <p:nvPr>
+            <p:ph type="sldImg" idx="2"/>
+          </p:nvPr>
+        </p:nvSpPr>
+        <p:spPr>
+          <a:xfrm>
+            <a:off x="381000" y="685800"/>
+            <a:ext cx="6096000" cy="3429000"/>
+          </a:xfrm>
+          <a:custGeom>
+            <a:avLst/>
+            <a:gdLst/>
+            <a:ahLst/>
+            <a:cxnLst/>
+            <a:rect l="l" t="t" r="r" b="b"/>
+            <a:pathLst>
+              <a:path w="120000" h="120000" extrusionOk="0">
+                <a:moveTo>
+                  <a:pt x="0" y="0"/>
+                </a:moveTo>
+                <a:lnTo>
+                  <a:pt x="120000" y="0"/>
+                </a:lnTo>
+                <a:lnTo>
+                  <a:pt x="120000" y="120000"/>
+                </a:lnTo>
+                <a:lnTo>
+                  <a:pt x="0" y="120000"/>
+                </a:lnTo>
+                <a:close/>
+              </a:path>
+            </a:pathLst>
+          </a:custGeom>
+        </p:spPr>
+      </p:sp>
+      <p:sp>
+        <p:nvSpPr>
+          <p:cNvPr id="293" name="Google Shape;293;gcc9050bdf8_0_273:notes"/>
+          <p:cNvSpPr txBox="1">
+            <a:spLocks noGrp="1"/>
+          </p:cNvSpPr>
+          <p:nvPr>
+            <p:ph type="body" idx="1"/>
+          </p:nvPr>
+        </p:nvSpPr>
+        <p:spPr>
+          <a:xfrm>
+            <a:off x="685800" y="4343400"/>
+            <a:ext cx="5486400" cy="4114800"/>
+          </a:xfrm>
+          <a:prstGeom prst="rect">
+            <a:avLst/>
+          </a:prstGeom>
+        </p:spPr>
+        <p:txBody>
+          <a:bodyPr spcFirstLastPara="1" wrap="square" lIns="91425" tIns="91425" rIns="91425" bIns="91425" anchor="t" anchorCtr="0">
+            <a:noAutofit/>
+          </a:bodyPr>
+          <a:lstStyle/>
+          <a:p>
+            <a:pPr marL="0" lvl="0" indent="0" algn="l" rtl="0">
+              <a:spcBef>
+                <a:spcPts val="0"/>
+              </a:spcBef>
+              <a:spcAft>
+                <a:spcPts val="0"/>
+              </a:spcAft>
+              <a:buNone/>
+            </a:pPr>
+            <a:endParaRPr/>
+          </a:p>
+        </p:txBody>
+      </p:sp>
+    </p:spTree>
+    <p:extLst>
+      <p:ext uri="{BB962C8B-B14F-4D97-AF65-F5344CB8AC3E}">
         <p14:creationId xmlns:p14="http://schemas.microsoft.com/office/powerpoint/2010/main" val="311306439"/>
       </p:ext>
     </p:extLst>
@@ -2453,7 +3128,7 @@
 </p:notes>
 </file>
 
-<file path=ppt/notesSlides/notesSlide14.xml><?xml version="1.0" encoding="utf-8"?>
+<file path=ppt/notesSlides/notesSlide18.xml><?xml version="1.0" encoding="utf-8"?>
 <p:notes xmlns:a="http://schemas.openxmlformats.org/drawingml/2006/main" xmlns:r="http://schemas.openxmlformats.org/officeDocument/2006/relationships" xmlns:p="http://schemas.openxmlformats.org/presentationml/2006/main" showMasterSp="0" showMasterPhAnim="0">
   <p:cSld>
     <p:spTree>
@@ -11623,8 +12298,8 @@
         </p:nvSpPr>
         <p:spPr>
           <a:xfrm>
-            <a:off x="425313" y="445691"/>
-            <a:ext cx="3965112" cy="442110"/>
+            <a:off x="425313" y="383972"/>
+            <a:ext cx="7970542" cy="442110"/>
           </a:xfrm>
           <a:prstGeom prst="rect">
             <a:avLst/>
@@ -11646,7 +12321,7 @@
               <a:buNone/>
             </a:pPr>
             <a:r>
-              <a:rPr lang="en" sz="2800">
+              <a:rPr lang="en" sz="2800" dirty="0">
                 <a:solidFill>
                   <a:schemeClr val="accent2"/>
                 </a:solidFill>
@@ -11654,7 +12329,7 @@
               <a:t>&lt;/</a:t>
             </a:r>
             <a:r>
-              <a:rPr lang="en" sz="2800">
+              <a:rPr lang="en" sz="2800" dirty="0">
                 <a:solidFill>
                   <a:schemeClr val="lt2"/>
                 </a:solidFill>
@@ -11662,14 +12337,22 @@
               <a:t> </a:t>
             </a:r>
             <a:r>
-              <a:rPr lang="en" sz="2800">
+              <a:rPr lang="en" sz="2800" dirty="0">
                 <a:solidFill>
                   <a:schemeClr val="tx1"/>
                 </a:solidFill>
               </a:rPr>
-              <a:t>Ejercicio 1</a:t>
-            </a:r>
-            <a:endParaRPr sz="2800"/>
+              <a:t>Ejercicio A: </a:t>
+            </a:r>
+            <a:r>
+              <a:rPr lang="es-CL" sz="2800" dirty="0">
+                <a:solidFill>
+                  <a:schemeClr val="tx1"/>
+                </a:solidFill>
+              </a:rPr>
+              <a:t>Promedio de Notas por Alumno</a:t>
+            </a:r>
+            <a:endParaRPr sz="2800" dirty="0"/>
           </a:p>
         </p:txBody>
       </p:sp>
@@ -11685,7 +12368,611 @@
         </p:nvSpPr>
         <p:spPr>
           <a:xfrm>
-            <a:off x="487312" y="881500"/>
+            <a:off x="442289" y="1025236"/>
+            <a:ext cx="8276398" cy="1546514"/>
+          </a:xfrm>
+          <a:prstGeom prst="rect">
+            <a:avLst/>
+          </a:prstGeom>
+        </p:spPr>
+        <p:txBody>
+          <a:bodyPr spcFirstLastPara="1" wrap="square" lIns="91425" tIns="91425" rIns="91425" bIns="91425" anchor="t" anchorCtr="0">
+            <a:noAutofit/>
+          </a:bodyPr>
+          <a:lstStyle/>
+          <a:p>
+            <a:pPr marL="0" indent="0"/>
+            <a:r>
+              <a:rPr lang="es-CL" sz="1800" dirty="0"/>
+              <a:t>Diseña un programa que tome una cadena de texto con notas de varios alumnos en el formato nota1,nota2,...#nombre;;nota1,nota2,...#nombre;; y construya un diccionario donde la clave sea el nombre del alumno y el valor sea su promedio de notas.</a:t>
+            </a:r>
+          </a:p>
+          <a:p>
+            <a:pPr marL="0" indent="0"/>
+            <a:endParaRPr lang="es-CL" sz="1600" dirty="0"/>
+          </a:p>
+          <a:p>
+            <a:pPr marL="0" indent="0"/>
+            <a:endParaRPr lang="es-CL" sz="1600" dirty="0"/>
+          </a:p>
+          <a:p>
+            <a:pPr marL="0" indent="0"/>
+            <a:r>
+              <a:rPr lang="es-CL" sz="1600" dirty="0"/>
+              <a:t>  </a:t>
+            </a:r>
+          </a:p>
+          <a:p>
+            <a:pPr marL="0" indent="0"/>
+            <a:r>
+              <a:rPr lang="es-CL" sz="1600" dirty="0"/>
+              <a:t>  Ejemplo de uso:</a:t>
+            </a:r>
+            <a:endParaRPr lang="es-MX" sz="1600" dirty="0"/>
+          </a:p>
+        </p:txBody>
+      </p:sp>
+      <p:pic>
+        <p:nvPicPr>
+          <p:cNvPr id="4" name="Imagen 3">
+            <a:extLst>
+              <a:ext uri="{FF2B5EF4-FFF2-40B4-BE49-F238E27FC236}">
+                <a16:creationId xmlns:a16="http://schemas.microsoft.com/office/drawing/2014/main" id="{8E5FFE83-929C-152C-DA01-3ED28D16A15E}"/>
+              </a:ext>
+            </a:extLst>
+          </p:cNvPr>
+          <p:cNvPicPr>
+            <a:picLocks noChangeAspect="1"/>
+          </p:cNvPicPr>
+          <p:nvPr/>
+        </p:nvPicPr>
+        <p:blipFill>
+          <a:blip r:embed="rId3"/>
+          <a:stretch>
+            <a:fillRect/>
+          </a:stretch>
+        </p:blipFill>
+        <p:spPr>
+          <a:xfrm>
+            <a:off x="2799614" y="2978722"/>
+            <a:ext cx="6207187" cy="859457"/>
+          </a:xfrm>
+          <a:prstGeom prst="rect">
+            <a:avLst/>
+          </a:prstGeom>
+        </p:spPr>
+      </p:pic>
+    </p:spTree>
+    <p:extLst>
+      <p:ext uri="{BB962C8B-B14F-4D97-AF65-F5344CB8AC3E}">
+        <p14:creationId xmlns:p14="http://schemas.microsoft.com/office/powerpoint/2010/main" val="1232336960"/>
+      </p:ext>
+    </p:extLst>
+  </p:cSld>
+  <p:clrMapOvr>
+    <a:masterClrMapping/>
+  </p:clrMapOvr>
+</p:sld>
+</file>
+
+<file path=ppt/slides/slide11.xml><?xml version="1.0" encoding="utf-8"?>
+<p:sld xmlns:a="http://schemas.openxmlformats.org/drawingml/2006/main" xmlns:r="http://schemas.openxmlformats.org/officeDocument/2006/relationships" xmlns:p="http://schemas.openxmlformats.org/presentationml/2006/main">
+  <p:cSld>
+    <p:spTree>
+      <p:nvGrpSpPr>
+        <p:cNvPr id="1" name="Shape 294"/>
+        <p:cNvGrpSpPr/>
+        <p:nvPr/>
+      </p:nvGrpSpPr>
+      <p:grpSpPr>
+        <a:xfrm>
+          <a:off x="0" y="0"/>
+          <a:ext cx="0" cy="0"/>
+          <a:chOff x="0" y="0"/>
+          <a:chExt cx="0" cy="0"/>
+        </a:xfrm>
+      </p:grpSpPr>
+      <p:sp>
+        <p:nvSpPr>
+          <p:cNvPr id="295" name="Google Shape;295;p33"/>
+          <p:cNvSpPr txBox="1">
+            <a:spLocks noGrp="1"/>
+          </p:cNvSpPr>
+          <p:nvPr>
+            <p:ph type="title" idx="6"/>
+          </p:nvPr>
+        </p:nvSpPr>
+        <p:spPr>
+          <a:xfrm>
+            <a:off x="785531" y="1900419"/>
+            <a:ext cx="2795870" cy="1868018"/>
+          </a:xfrm>
+          <a:prstGeom prst="rect">
+            <a:avLst/>
+          </a:prstGeom>
+        </p:spPr>
+        <p:txBody>
+          <a:bodyPr spcFirstLastPara="1" wrap="square" lIns="91425" tIns="91425" rIns="91425" bIns="91425" anchor="t" anchorCtr="0">
+            <a:noAutofit/>
+          </a:bodyPr>
+          <a:lstStyle/>
+          <a:p>
+            <a:pPr marL="0" lvl="0" indent="0" algn="l" rtl="0">
+              <a:spcBef>
+                <a:spcPts val="0"/>
+              </a:spcBef>
+              <a:spcAft>
+                <a:spcPts val="0"/>
+              </a:spcAft>
+              <a:buNone/>
+            </a:pPr>
+            <a:r>
+              <a:rPr lang="en" sz="2800" dirty="0">
+                <a:solidFill>
+                  <a:schemeClr val="accent2"/>
+                </a:solidFill>
+              </a:rPr>
+              <a:t>&lt;/</a:t>
+            </a:r>
+            <a:r>
+              <a:rPr lang="en" sz="2800" dirty="0">
+                <a:solidFill>
+                  <a:schemeClr val="lt2"/>
+                </a:solidFill>
+              </a:rPr>
+              <a:t> </a:t>
+            </a:r>
+            <a:r>
+              <a:rPr lang="en" sz="2800" dirty="0">
+                <a:solidFill>
+                  <a:schemeClr val="tx1"/>
+                </a:solidFill>
+              </a:rPr>
+              <a:t>Ejercicio A: solución</a:t>
+            </a:r>
+            <a:endParaRPr sz="2800" dirty="0"/>
+          </a:p>
+        </p:txBody>
+      </p:sp>
+      <p:pic>
+        <p:nvPicPr>
+          <p:cNvPr id="4" name="Imagen 3">
+            <a:extLst>
+              <a:ext uri="{FF2B5EF4-FFF2-40B4-BE49-F238E27FC236}">
+                <a16:creationId xmlns:a16="http://schemas.microsoft.com/office/drawing/2014/main" id="{8B68BFC5-CCBB-2962-14FA-762B4BC14E26}"/>
+              </a:ext>
+            </a:extLst>
+          </p:cNvPr>
+          <p:cNvPicPr>
+            <a:picLocks noChangeAspect="1"/>
+          </p:cNvPicPr>
+          <p:nvPr/>
+        </p:nvPicPr>
+        <p:blipFill>
+          <a:blip r:embed="rId3"/>
+          <a:stretch>
+            <a:fillRect/>
+          </a:stretch>
+        </p:blipFill>
+        <p:spPr>
+          <a:xfrm>
+            <a:off x="3713019" y="161629"/>
+            <a:ext cx="4510152" cy="4929484"/>
+          </a:xfrm>
+          <a:prstGeom prst="rect">
+            <a:avLst/>
+          </a:prstGeom>
+        </p:spPr>
+      </p:pic>
+    </p:spTree>
+    <p:extLst>
+      <p:ext uri="{BB962C8B-B14F-4D97-AF65-F5344CB8AC3E}">
+        <p14:creationId xmlns:p14="http://schemas.microsoft.com/office/powerpoint/2010/main" val="1927627885"/>
+      </p:ext>
+    </p:extLst>
+  </p:cSld>
+  <p:clrMapOvr>
+    <a:masterClrMapping/>
+  </p:clrMapOvr>
+</p:sld>
+</file>
+
+<file path=ppt/slides/slide12.xml><?xml version="1.0" encoding="utf-8"?>
+<p:sld xmlns:a="http://schemas.openxmlformats.org/drawingml/2006/main" xmlns:r="http://schemas.openxmlformats.org/officeDocument/2006/relationships" xmlns:p="http://schemas.openxmlformats.org/presentationml/2006/main">
+  <p:cSld>
+    <p:spTree>
+      <p:nvGrpSpPr>
+        <p:cNvPr id="1" name="Shape 294"/>
+        <p:cNvGrpSpPr/>
+        <p:nvPr/>
+      </p:nvGrpSpPr>
+      <p:grpSpPr>
+        <a:xfrm>
+          <a:off x="0" y="0"/>
+          <a:ext cx="0" cy="0"/>
+          <a:chOff x="0" y="0"/>
+          <a:chExt cx="0" cy="0"/>
+        </a:xfrm>
+      </p:grpSpPr>
+      <p:sp>
+        <p:nvSpPr>
+          <p:cNvPr id="295" name="Google Shape;295;p33"/>
+          <p:cNvSpPr txBox="1">
+            <a:spLocks noGrp="1"/>
+          </p:cNvSpPr>
+          <p:nvPr>
+            <p:ph type="title" idx="6"/>
+          </p:nvPr>
+        </p:nvSpPr>
+        <p:spPr>
+          <a:xfrm>
+            <a:off x="425313" y="383972"/>
+            <a:ext cx="8293374" cy="442110"/>
+          </a:xfrm>
+          <a:prstGeom prst="rect">
+            <a:avLst/>
+          </a:prstGeom>
+        </p:spPr>
+        <p:txBody>
+          <a:bodyPr spcFirstLastPara="1" wrap="square" lIns="91425" tIns="91425" rIns="91425" bIns="91425" anchor="t" anchorCtr="0">
+            <a:noAutofit/>
+          </a:bodyPr>
+          <a:lstStyle/>
+          <a:p>
+            <a:pPr marL="0" lvl="0" indent="0" algn="l" rtl="0">
+              <a:spcBef>
+                <a:spcPts val="0"/>
+              </a:spcBef>
+              <a:spcAft>
+                <a:spcPts val="0"/>
+              </a:spcAft>
+              <a:buNone/>
+            </a:pPr>
+            <a:r>
+              <a:rPr lang="en" sz="2800" dirty="0">
+                <a:solidFill>
+                  <a:schemeClr val="accent2"/>
+                </a:solidFill>
+              </a:rPr>
+              <a:t>&lt;/</a:t>
+            </a:r>
+            <a:r>
+              <a:rPr lang="en" sz="2800" dirty="0">
+                <a:solidFill>
+                  <a:schemeClr val="lt2"/>
+                </a:solidFill>
+              </a:rPr>
+              <a:t> </a:t>
+            </a:r>
+            <a:r>
+              <a:rPr lang="en" sz="2800" dirty="0">
+                <a:solidFill>
+                  <a:schemeClr val="tx1"/>
+                </a:solidFill>
+              </a:rPr>
+              <a:t>Ejercicio B: </a:t>
+            </a:r>
+            <a:r>
+              <a:rPr lang="es-CL" sz="2800" dirty="0">
+                <a:solidFill>
+                  <a:schemeClr val="tx1"/>
+                </a:solidFill>
+              </a:rPr>
+              <a:t>Agenda de Tareas con Diccionario</a:t>
+            </a:r>
+            <a:endParaRPr sz="2800" dirty="0"/>
+          </a:p>
+        </p:txBody>
+      </p:sp>
+      <p:sp>
+        <p:nvSpPr>
+          <p:cNvPr id="297" name="Google Shape;297;p33"/>
+          <p:cNvSpPr txBox="1">
+            <a:spLocks noGrp="1"/>
+          </p:cNvSpPr>
+          <p:nvPr>
+            <p:ph type="subTitle" idx="1"/>
+          </p:nvPr>
+        </p:nvSpPr>
+        <p:spPr>
+          <a:xfrm>
+            <a:off x="425313" y="826082"/>
+            <a:ext cx="8276398" cy="1546514"/>
+          </a:xfrm>
+          <a:prstGeom prst="rect">
+            <a:avLst/>
+          </a:prstGeom>
+        </p:spPr>
+        <p:txBody>
+          <a:bodyPr spcFirstLastPara="1" wrap="square" lIns="91425" tIns="91425" rIns="91425" bIns="91425" anchor="t" anchorCtr="0">
+            <a:noAutofit/>
+          </a:bodyPr>
+          <a:lstStyle/>
+          <a:p>
+            <a:pPr marL="0" indent="0"/>
+            <a:r>
+              <a:rPr lang="es-CL" sz="1600" dirty="0"/>
+              <a:t>Diseña un programa que funcione como una agenda de tareas, donde el usuario puede anotar tareas pendientes para cada día de la semana. El programa debe pedir al usuario que ingrese un día de la semana y luego mostrar las tareas ya anotadas para ese día. Si no hay tareas, el programa debe indicarlo y permitir al usuario agregar nuevas. Usa un diccionario donde la clave es el día de la semana y el valor es una lista con las tareas pendientes.</a:t>
+            </a:r>
+          </a:p>
+          <a:p>
+            <a:pPr marL="0" indent="0"/>
+            <a:endParaRPr lang="es-CL" sz="1600" dirty="0"/>
+          </a:p>
+          <a:p>
+            <a:pPr marL="0" indent="0"/>
+            <a:r>
+              <a:rPr lang="es-CL" sz="1600" dirty="0"/>
+              <a:t>  </a:t>
+            </a:r>
+          </a:p>
+          <a:p>
+            <a:pPr marL="0" indent="0"/>
+            <a:r>
+              <a:rPr lang="es-CL" sz="1600" dirty="0"/>
+              <a:t>  Ejemplo de uso:</a:t>
+            </a:r>
+            <a:endParaRPr lang="es-MX" sz="1600" dirty="0"/>
+          </a:p>
+        </p:txBody>
+      </p:sp>
+      <p:pic>
+        <p:nvPicPr>
+          <p:cNvPr id="6" name="Imagen 5">
+            <a:extLst>
+              <a:ext uri="{FF2B5EF4-FFF2-40B4-BE49-F238E27FC236}">
+                <a16:creationId xmlns:a16="http://schemas.microsoft.com/office/drawing/2014/main" id="{CB666DCD-7EC1-1A36-1FD4-BC7D3568905B}"/>
+              </a:ext>
+            </a:extLst>
+          </p:cNvPr>
+          <p:cNvPicPr>
+            <a:picLocks noChangeAspect="1"/>
+          </p:cNvPicPr>
+          <p:nvPr/>
+        </p:nvPicPr>
+        <p:blipFill>
+          <a:blip r:embed="rId3"/>
+          <a:stretch>
+            <a:fillRect/>
+          </a:stretch>
+        </p:blipFill>
+        <p:spPr>
+          <a:xfrm>
+            <a:off x="2890083" y="2682787"/>
+            <a:ext cx="5194085" cy="2339485"/>
+          </a:xfrm>
+          <a:prstGeom prst="rect">
+            <a:avLst/>
+          </a:prstGeom>
+        </p:spPr>
+      </p:pic>
+    </p:spTree>
+    <p:extLst>
+      <p:ext uri="{BB962C8B-B14F-4D97-AF65-F5344CB8AC3E}">
+        <p14:creationId xmlns:p14="http://schemas.microsoft.com/office/powerpoint/2010/main" val="2555626135"/>
+      </p:ext>
+    </p:extLst>
+  </p:cSld>
+  <p:clrMapOvr>
+    <a:masterClrMapping/>
+  </p:clrMapOvr>
+</p:sld>
+</file>
+
+<file path=ppt/slides/slide13.xml><?xml version="1.0" encoding="utf-8"?>
+<p:sld xmlns:a="http://schemas.openxmlformats.org/drawingml/2006/main" xmlns:r="http://schemas.openxmlformats.org/officeDocument/2006/relationships" xmlns:p="http://schemas.openxmlformats.org/presentationml/2006/main">
+  <p:cSld>
+    <p:spTree>
+      <p:nvGrpSpPr>
+        <p:cNvPr id="1" name="Shape 294"/>
+        <p:cNvGrpSpPr/>
+        <p:nvPr/>
+      </p:nvGrpSpPr>
+      <p:grpSpPr>
+        <a:xfrm>
+          <a:off x="0" y="0"/>
+          <a:ext cx="0" cy="0"/>
+          <a:chOff x="0" y="0"/>
+          <a:chExt cx="0" cy="0"/>
+        </a:xfrm>
+      </p:grpSpPr>
+      <p:sp>
+        <p:nvSpPr>
+          <p:cNvPr id="295" name="Google Shape;295;p33"/>
+          <p:cNvSpPr txBox="1">
+            <a:spLocks noGrp="1"/>
+          </p:cNvSpPr>
+          <p:nvPr>
+            <p:ph type="title" idx="6"/>
+          </p:nvPr>
+        </p:nvSpPr>
+        <p:spPr>
+          <a:xfrm>
+            <a:off x="300621" y="1879637"/>
+            <a:ext cx="2795870" cy="1868018"/>
+          </a:xfrm>
+          <a:prstGeom prst="rect">
+            <a:avLst/>
+          </a:prstGeom>
+        </p:spPr>
+        <p:txBody>
+          <a:bodyPr spcFirstLastPara="1" wrap="square" lIns="91425" tIns="91425" rIns="91425" bIns="91425" anchor="t" anchorCtr="0">
+            <a:noAutofit/>
+          </a:bodyPr>
+          <a:lstStyle/>
+          <a:p>
+            <a:pPr marL="0" lvl="0" indent="0" algn="l" rtl="0">
+              <a:spcBef>
+                <a:spcPts val="0"/>
+              </a:spcBef>
+              <a:spcAft>
+                <a:spcPts val="0"/>
+              </a:spcAft>
+              <a:buNone/>
+            </a:pPr>
+            <a:r>
+              <a:rPr lang="en" sz="2800" dirty="0">
+                <a:solidFill>
+                  <a:schemeClr val="accent2"/>
+                </a:solidFill>
+              </a:rPr>
+              <a:t>&lt;/</a:t>
+            </a:r>
+            <a:r>
+              <a:rPr lang="en" sz="2800" dirty="0">
+                <a:solidFill>
+                  <a:schemeClr val="lt2"/>
+                </a:solidFill>
+              </a:rPr>
+              <a:t> </a:t>
+            </a:r>
+            <a:r>
+              <a:rPr lang="en" sz="2800" dirty="0">
+                <a:solidFill>
+                  <a:schemeClr val="tx1"/>
+                </a:solidFill>
+              </a:rPr>
+              <a:t>Ejercicio B: solución</a:t>
+            </a:r>
+            <a:endParaRPr sz="2800" dirty="0"/>
+          </a:p>
+        </p:txBody>
+      </p:sp>
+      <p:pic>
+        <p:nvPicPr>
+          <p:cNvPr id="3" name="Imagen 2">
+            <a:extLst>
+              <a:ext uri="{FF2B5EF4-FFF2-40B4-BE49-F238E27FC236}">
+                <a16:creationId xmlns:a16="http://schemas.microsoft.com/office/drawing/2014/main" id="{A9DD5F7F-E3B5-2751-3A7A-6721C13DE1FC}"/>
+              </a:ext>
+            </a:extLst>
+          </p:cNvPr>
+          <p:cNvPicPr>
+            <a:picLocks noChangeAspect="1"/>
+          </p:cNvPicPr>
+          <p:nvPr/>
+        </p:nvPicPr>
+        <p:blipFill>
+          <a:blip r:embed="rId3"/>
+          <a:stretch>
+            <a:fillRect/>
+          </a:stretch>
+        </p:blipFill>
+        <p:spPr>
+          <a:xfrm>
+            <a:off x="2757054" y="90471"/>
+            <a:ext cx="6086325" cy="4962557"/>
+          </a:xfrm>
+          <a:prstGeom prst="rect">
+            <a:avLst/>
+          </a:prstGeom>
+        </p:spPr>
+      </p:pic>
+    </p:spTree>
+    <p:extLst>
+      <p:ext uri="{BB962C8B-B14F-4D97-AF65-F5344CB8AC3E}">
+        <p14:creationId xmlns:p14="http://schemas.microsoft.com/office/powerpoint/2010/main" val="232787263"/>
+      </p:ext>
+    </p:extLst>
+  </p:cSld>
+  <p:clrMapOvr>
+    <a:masterClrMapping/>
+  </p:clrMapOvr>
+</p:sld>
+</file>
+
+<file path=ppt/slides/slide14.xml><?xml version="1.0" encoding="utf-8"?>
+<p:sld xmlns:a="http://schemas.openxmlformats.org/drawingml/2006/main" xmlns:r="http://schemas.openxmlformats.org/officeDocument/2006/relationships" xmlns:p="http://schemas.openxmlformats.org/presentationml/2006/main">
+  <p:cSld>
+    <p:spTree>
+      <p:nvGrpSpPr>
+        <p:cNvPr id="1" name="Shape 294"/>
+        <p:cNvGrpSpPr/>
+        <p:nvPr/>
+      </p:nvGrpSpPr>
+      <p:grpSpPr>
+        <a:xfrm>
+          <a:off x="0" y="0"/>
+          <a:ext cx="0" cy="0"/>
+          <a:chOff x="0" y="0"/>
+          <a:chExt cx="0" cy="0"/>
+        </a:xfrm>
+      </p:grpSpPr>
+      <p:sp>
+        <p:nvSpPr>
+          <p:cNvPr id="295" name="Google Shape;295;p33"/>
+          <p:cNvSpPr txBox="1">
+            <a:spLocks noGrp="1"/>
+          </p:cNvSpPr>
+          <p:nvPr>
+            <p:ph type="title" idx="6"/>
+          </p:nvPr>
+        </p:nvSpPr>
+        <p:spPr>
+          <a:xfrm>
+            <a:off x="425313" y="383972"/>
+            <a:ext cx="3965112" cy="442110"/>
+          </a:xfrm>
+          <a:prstGeom prst="rect">
+            <a:avLst/>
+          </a:prstGeom>
+        </p:spPr>
+        <p:txBody>
+          <a:bodyPr spcFirstLastPara="1" wrap="square" lIns="91425" tIns="91425" rIns="91425" bIns="91425" anchor="t" anchorCtr="0">
+            <a:noAutofit/>
+          </a:bodyPr>
+          <a:lstStyle/>
+          <a:p>
+            <a:pPr marL="0" lvl="0" indent="0" algn="l" rtl="0">
+              <a:spcBef>
+                <a:spcPts val="0"/>
+              </a:spcBef>
+              <a:spcAft>
+                <a:spcPts val="0"/>
+              </a:spcAft>
+              <a:buNone/>
+            </a:pPr>
+            <a:r>
+              <a:rPr lang="en" sz="2800" dirty="0">
+                <a:solidFill>
+                  <a:schemeClr val="accent2"/>
+                </a:solidFill>
+              </a:rPr>
+              <a:t>&lt;/</a:t>
+            </a:r>
+            <a:r>
+              <a:rPr lang="en" sz="2800" dirty="0">
+                <a:solidFill>
+                  <a:schemeClr val="lt2"/>
+                </a:solidFill>
+              </a:rPr>
+              <a:t> </a:t>
+            </a:r>
+            <a:r>
+              <a:rPr lang="en" sz="2800" dirty="0">
+                <a:solidFill>
+                  <a:schemeClr val="tx1"/>
+                </a:solidFill>
+              </a:rPr>
+              <a:t>Ejercicio 1</a:t>
+            </a:r>
+            <a:endParaRPr sz="2800" dirty="0"/>
+          </a:p>
+        </p:txBody>
+      </p:sp>
+      <p:sp>
+        <p:nvSpPr>
+          <p:cNvPr id="297" name="Google Shape;297;p33"/>
+          <p:cNvSpPr txBox="1">
+            <a:spLocks noGrp="1"/>
+          </p:cNvSpPr>
+          <p:nvPr>
+            <p:ph type="subTitle" idx="1"/>
+          </p:nvPr>
+        </p:nvSpPr>
+        <p:spPr>
+          <a:xfrm>
+            <a:off x="442289" y="826082"/>
             <a:ext cx="8276398" cy="2655010"/>
           </a:xfrm>
           <a:prstGeom prst="rect">
@@ -11701,7 +12988,7 @@
             <a:pPr marL="0" indent="0"/>
             <a:r>
               <a:rPr lang="es-MX" i="1" dirty="0"/>
-              <a:t>Jimmy McGill, un prestigioso abogado, requiere ayuda con el manejo de datos de sus clientes. Teniendo el diccionario clientes cuyas llaves son nombres y sus valores otros diccionarios. Estos diccionarios asociados a cada abogado contienen datos de:</a:t>
+              <a:t>Jimmy McGill, un prestigioso abogado, requiere ayuda con el manejo de datos de sus clientes. Teniendo el diccionario clientes cuyas llaves son nombres de abogados y sus valores otros diccionarios. Estos diccionarios asociados a cada abogado contienen datos de:</a:t>
             </a:r>
           </a:p>
           <a:p>
@@ -11734,10 +13021,10 @@
               <a:t>Las empresas que ha defendido el abogado bajo la llave ’empresas’ que asocia una lista de </a:t>
             </a:r>
             <a:r>
-              <a:rPr lang="es-MX" i="1" err="1"/>
+              <a:rPr lang="es-MX" i="1" dirty="0" err="1"/>
               <a:t>strings</a:t>
             </a:r>
-            <a:endParaRPr lang="es-MX" i="1"/>
+            <a:endParaRPr lang="es-MX" i="1" dirty="0"/>
           </a:p>
           <a:p>
             <a:pPr marL="0" indent="0"/>
@@ -11800,7 +13087,7 @@
               <a:t>'</a:t>
             </a:r>
             <a:r>
-              <a:rPr lang="es-MX" sz="1100" err="1"/>
+              <a:rPr lang="es-MX" sz="1100" dirty="0" err="1"/>
               <a:t>rachel</a:t>
             </a:r>
             <a:r>
@@ -11822,7 +13109,7 @@
               <a:t>'empresas’ : [ '</a:t>
             </a:r>
             <a:r>
-              <a:rPr lang="es-MX" sz="1100" err="1"/>
+              <a:rPr lang="es-MX" sz="1100" dirty="0" err="1"/>
               <a:t>google</a:t>
             </a:r>
             <a:r>
@@ -11830,7 +13117,7 @@
               <a:t>’ , '</a:t>
             </a:r>
             <a:r>
-              <a:rPr lang="es-MX" sz="1100" err="1"/>
+              <a:rPr lang="es-MX" sz="1100" dirty="0" err="1"/>
               <a:t>codelco</a:t>
             </a:r>
             <a:r>
@@ -11849,7 +13136,7 @@
               <a:t>'</a:t>
             </a:r>
             <a:r>
-              <a:rPr lang="es-MX" sz="1100" err="1"/>
+              <a:rPr lang="es-MX" sz="1100" dirty="0" err="1"/>
               <a:t>harvey</a:t>
             </a:r>
             <a:r>
@@ -11864,7 +13151,7 @@
               <a:t>'empresas’ : [ 'mesa verde’ , '</a:t>
             </a:r>
             <a:r>
-              <a:rPr lang="es-MX" sz="1100" err="1"/>
+              <a:rPr lang="es-MX" sz="1100" dirty="0" err="1"/>
               <a:t>samsung</a:t>
             </a:r>
             <a:r>
@@ -11891,7 +13178,7 @@
 </p:sld>
 </file>
 
-<file path=ppt/slides/slide11.xml><?xml version="1.0" encoding="utf-8"?>
+<file path=ppt/slides/slide15.xml><?xml version="1.0" encoding="utf-8"?>
 <p:sld xmlns:a="http://schemas.openxmlformats.org/drawingml/2006/main" xmlns:r="http://schemas.openxmlformats.org/officeDocument/2006/relationships" xmlns:p="http://schemas.openxmlformats.org/presentationml/2006/main">
   <p:cSld>
     <p:spTree>
@@ -12048,11 +13335,11 @@
             </a:r>
             <a:r>
               <a:rPr lang="es-MX" b="1" i="1" dirty="0"/>
-              <a:t>(clientes)</a:t>
+              <a:t>(abogado)</a:t>
             </a:r>
             <a:r>
               <a:rPr lang="es-MX" i="1" dirty="0"/>
-              <a:t> que reciba el nombre de un cliente y retorne un entero con la cantidad total de juicios en los que ha estado. Asuma que el diccionario clientes es una variable global del programa.</a:t>
+              <a:t> que reciba el nombre de un abogado y retorne un entero con la cantidad total de juicios en los que ha estado. Asuma que el diccionario clientes es una variable global del programa.</a:t>
             </a:r>
           </a:p>
           <a:p>
@@ -12138,7 +13425,7 @@
 </p:sld>
 </file>
 
-<file path=ppt/slides/slide12.xml><?xml version="1.0" encoding="utf-8"?>
+<file path=ppt/slides/slide16.xml><?xml version="1.0" encoding="utf-8"?>
 <p:sld xmlns:a="http://schemas.openxmlformats.org/drawingml/2006/main" xmlns:r="http://schemas.openxmlformats.org/officeDocument/2006/relationships" xmlns:p="http://schemas.openxmlformats.org/presentationml/2006/main">
   <p:cSld>
     <p:spTree>
@@ -12260,7 +13547,7 @@
 </p:sld>
 </file>
 
-<file path=ppt/slides/slide13.xml><?xml version="1.0" encoding="utf-8"?>
+<file path=ppt/slides/slide17.xml><?xml version="1.0" encoding="utf-8"?>
 <p:sld xmlns:a="http://schemas.openxmlformats.org/drawingml/2006/main" xmlns:r="http://schemas.openxmlformats.org/officeDocument/2006/relationships" xmlns:p="http://schemas.openxmlformats.org/presentationml/2006/main">
   <p:cSld>
     <p:spTree>
@@ -12386,7 +13673,7 @@
 </p:sld>
 </file>
 
-<file path=ppt/slides/slide14.xml><?xml version="1.0" encoding="utf-8"?>
+<file path=ppt/slides/slide18.xml><?xml version="1.0" encoding="utf-8"?>
 <p:sld xmlns:a="http://schemas.openxmlformats.org/drawingml/2006/main" xmlns:r="http://schemas.openxmlformats.org/officeDocument/2006/relationships" xmlns:p="http://schemas.openxmlformats.org/presentationml/2006/main">
   <p:cSld>
     <p:spTree>
